--- a/PowerShellinAction-Opening.pptx
+++ b/PowerShellinAction-Opening.pptx
@@ -105,6 +105,11 @@
       </a:defRPr>
     </a:lvl9pPr>
   </p:defaultTextStyle>
+  <p:extLst>
+    <p:ext uri="{EFAFB233-063F-42B5-8137-9DF3F51BA10A}">
+      <p15:sldGuideLst xmlns:p15="http://schemas.microsoft.com/office/powerpoint/2012/main"/>
+    </p:ext>
+  </p:extLst>
 </p:presentation>
 </file>
 
@@ -179,7 +184,6 @@
               <a:rPr lang="en-US"/>
               <a:t>Click to edit Master title style</a:t>
             </a:r>
-            <a:endParaRPr lang="en-US"/>
           </a:p>
         </p:txBody>
       </p:sp>
@@ -244,7 +248,6 @@
               <a:rPr lang="en-US"/>
               <a:t>Click to edit Master subtitle style</a:t>
             </a:r>
-            <a:endParaRPr lang="en-US"/>
           </a:p>
         </p:txBody>
       </p:sp>
@@ -362,7 +365,6 @@
               <a:rPr lang="en-US"/>
               <a:t>Click to edit Master title style</a:t>
             </a:r>
-            <a:endParaRPr lang="en-US"/>
           </a:p>
         </p:txBody>
       </p:sp>
@@ -414,7 +416,6 @@
               <a:rPr lang="en-US"/>
               <a:t>Fifth level</a:t>
             </a:r>
-            <a:endParaRPr lang="en-US"/>
           </a:p>
         </p:txBody>
       </p:sp>
@@ -537,7 +538,6 @@
               <a:rPr lang="en-US"/>
               <a:t>Click to edit Master title style</a:t>
             </a:r>
-            <a:endParaRPr lang="en-US"/>
           </a:p>
         </p:txBody>
       </p:sp>
@@ -594,7 +594,6 @@
               <a:rPr lang="en-US"/>
               <a:t>Fifth level</a:t>
             </a:r>
-            <a:endParaRPr lang="en-US"/>
           </a:p>
         </p:txBody>
       </p:sp>
@@ -712,7 +711,6 @@
               <a:rPr lang="en-US"/>
               <a:t>Click to edit Master title style</a:t>
             </a:r>
-            <a:endParaRPr lang="en-US"/>
           </a:p>
         </p:txBody>
       </p:sp>
@@ -764,7 +762,6 @@
               <a:rPr lang="en-US"/>
               <a:t>Fifth level</a:t>
             </a:r>
-            <a:endParaRPr lang="en-US"/>
           </a:p>
         </p:txBody>
       </p:sp>
@@ -891,7 +888,6 @@
               <a:rPr lang="en-US"/>
               <a:t>Click to edit Master title style</a:t>
             </a:r>
-            <a:endParaRPr lang="en-US"/>
           </a:p>
         </p:txBody>
       </p:sp>
@@ -1128,7 +1124,6 @@
               <a:rPr lang="en-US"/>
               <a:t>Click to edit Master title style</a:t>
             </a:r>
-            <a:endParaRPr lang="en-US"/>
           </a:p>
         </p:txBody>
       </p:sp>
@@ -1185,7 +1180,6 @@
               <a:rPr lang="en-US"/>
               <a:t>Fifth level</a:t>
             </a:r>
-            <a:endParaRPr lang="en-US"/>
           </a:p>
         </p:txBody>
       </p:sp>
@@ -1242,7 +1236,6 @@
               <a:rPr lang="en-US"/>
               <a:t>Fifth level</a:t>
             </a:r>
-            <a:endParaRPr lang="en-US"/>
           </a:p>
         </p:txBody>
       </p:sp>
@@ -1365,7 +1358,6 @@
               <a:rPr lang="en-US"/>
               <a:t>Click to edit Master title style</a:t>
             </a:r>
-            <a:endParaRPr lang="en-US"/>
           </a:p>
         </p:txBody>
       </p:sp>
@@ -1487,7 +1479,6 @@
               <a:rPr lang="en-US"/>
               <a:t>Fifth level</a:t>
             </a:r>
-            <a:endParaRPr lang="en-US"/>
           </a:p>
         </p:txBody>
       </p:sp>
@@ -1609,7 +1600,6 @@
               <a:rPr lang="en-US"/>
               <a:t>Fifth level</a:t>
             </a:r>
-            <a:endParaRPr lang="en-US"/>
           </a:p>
         </p:txBody>
       </p:sp>
@@ -1727,7 +1717,6 @@
               <a:rPr lang="en-US"/>
               <a:t>Click to edit Master title style</a:t>
             </a:r>
-            <a:endParaRPr lang="en-US"/>
           </a:p>
         </p:txBody>
       </p:sp>
@@ -1949,7 +1938,6 @@
               <a:rPr lang="en-US"/>
               <a:t>Click to edit Master title style</a:t>
             </a:r>
-            <a:endParaRPr lang="en-US"/>
           </a:p>
         </p:txBody>
       </p:sp>
@@ -2034,7 +2022,6 @@
               <a:rPr lang="en-US"/>
               <a:t>Fifth level</a:t>
             </a:r>
-            <a:endParaRPr lang="en-US"/>
           </a:p>
         </p:txBody>
       </p:sp>
@@ -2226,7 +2213,6 @@
               <a:rPr lang="en-US"/>
               <a:t>Click to edit Master title style</a:t>
             </a:r>
-            <a:endParaRPr lang="en-US"/>
           </a:p>
         </p:txBody>
       </p:sp>
@@ -2485,7 +2471,6 @@
               <a:rPr lang="en-US"/>
               <a:t>Click to edit Master title style</a:t>
             </a:r>
-            <a:endParaRPr lang="en-US"/>
           </a:p>
         </p:txBody>
       </p:sp>
@@ -2547,7 +2532,6 @@
               <a:rPr lang="en-US"/>
               <a:t>Fifth level</a:t>
             </a:r>
-            <a:endParaRPr lang="en-US"/>
           </a:p>
         </p:txBody>
       </p:sp>
@@ -3182,8 +3166,8 @@
         </p:blipFill>
         <p:spPr>
           <a:xfrm>
-            <a:off x="4978400" y="2641872"/>
-            <a:ext cx="5986255" cy="4216127"/>
+            <a:off x="1679436" y="318408"/>
+            <a:ext cx="9285220" cy="6539592"/>
           </a:xfrm>
           <a:prstGeom prst="rect">
             <a:avLst/>

--- a/PowerShellinAction-Opening.pptx
+++ b/PowerShellinAction-Opening.pptx
@@ -3166,8 +3166,8 @@
         </p:blipFill>
         <p:spPr>
           <a:xfrm>
-            <a:off x="1679436" y="318408"/>
-            <a:ext cx="9285220" cy="6539592"/>
+            <a:off x="4844060" y="2547256"/>
+            <a:ext cx="6120595" cy="4310743"/>
           </a:xfrm>
           <a:prstGeom prst="rect">
             <a:avLst/>

--- a/PowerShellinAction-Opening.pptx
+++ b/PowerShellinAction-Opening.pptx
@@ -3183,7 +3183,7 @@
         <p:spPr>
           <a:xfrm>
             <a:off x="261258" y="2859315"/>
-            <a:ext cx="3780971" cy="2693045"/>
+            <a:ext cx="4341739" cy="1477328"/>
           </a:xfrm>
           <a:prstGeom prst="rect">
             <a:avLst/>
@@ -3197,25 +3197,34 @@
           <a:lstStyle/>
           <a:p>
             <a:r>
-              <a:rPr lang="en-US" sz="4000" dirty="0"/>
+              <a:rPr lang="en-US" dirty="0"/>
               <a:t>Wireless :  </a:t>
             </a:r>
             <a:r>
-              <a:rPr lang="en-US" sz="4000" b="1" dirty="0"/>
+              <a:rPr lang="en-US" b="1" dirty="0"/>
               <a:t>MSFTGUEST</a:t>
             </a:r>
           </a:p>
           <a:p>
-            <a:endParaRPr lang="en-US" sz="900" dirty="0"/>
-          </a:p>
-          <a:p>
-            <a:r>
-              <a:rPr lang="en-US" sz="4000" dirty="0"/>
+            <a:r>
+              <a:rPr lang="en-US" dirty="0"/>
               <a:t>Event Code:  </a:t>
             </a:r>
             <a:r>
-              <a:rPr lang="en-US" sz="4000" b="1" dirty="0"/>
+              <a:rPr lang="en-US" b="1" dirty="0"/>
               <a:t>msevent41ck</a:t>
+            </a:r>
+          </a:p>
+          <a:p>
+            <a:endParaRPr lang="en-US" b="1" dirty="0"/>
+          </a:p>
+          <a:p>
+            <a:endParaRPr lang="en-US" b="1" dirty="0"/>
+          </a:p>
+          <a:p>
+            <a:r>
+              <a:rPr lang="en-US" b="1" dirty="0"/>
+              <a:t>\\HALS-LENOVO\PSinAction-New</a:t>
             </a:r>
           </a:p>
         </p:txBody>
@@ -3229,7 +3238,7 @@
         <p:spPr>
           <a:xfrm>
             <a:off x="106630" y="5778896"/>
-            <a:ext cx="4985657" cy="738664"/>
+            <a:ext cx="4985657" cy="1107996"/>
           </a:xfrm>
           <a:prstGeom prst="rect">
             <a:avLst/>
@@ -3253,6 +3262,18 @@
                 <a:hlinkClick r:id="rId4"/>
               </a:rPr>
               <a:t>http://github.com/dstolts/PSinAction</a:t>
+            </a:r>
+            <a:r>
+              <a:rPr lang="en-US" sz="2400" dirty="0"/>
+              <a:t> </a:t>
+            </a:r>
+          </a:p>
+          <a:p>
+            <a:r>
+              <a:rPr lang="en-US" sz="2400" dirty="0">
+                <a:hlinkClick r:id="rId5"/>
+              </a:rPr>
+              <a:t>https://www.microsoftazurepass.com/</a:t>
             </a:r>
             <a:r>
               <a:rPr lang="en-US" sz="2400" dirty="0"/>
